--- a/Crime record management system -1.pptx
+++ b/Crime record management system -1.pptx
@@ -270,7 +270,7 @@
           <a:p>
             <a:fld id="{8247719E-A071-48C4-9162-8C0ACCCA0F96}" type="datetimeFigureOut">
               <a:rPr lang="en-US" smtClean="0"/>
-              <a:t>5/11/2023</a:t>
+              <a:t>5/12/2023</a:t>
             </a:fld>
             <a:endParaRPr lang="en-US"/>
           </a:p>
@@ -468,7 +468,7 @@
           <a:p>
             <a:fld id="{8247719E-A071-48C4-9162-8C0ACCCA0F96}" type="datetimeFigureOut">
               <a:rPr lang="en-US" smtClean="0"/>
-              <a:t>5/11/2023</a:t>
+              <a:t>5/12/2023</a:t>
             </a:fld>
             <a:endParaRPr lang="en-US"/>
           </a:p>
@@ -676,7 +676,7 @@
           <a:p>
             <a:fld id="{8247719E-A071-48C4-9162-8C0ACCCA0F96}" type="datetimeFigureOut">
               <a:rPr lang="en-US" smtClean="0"/>
-              <a:t>5/11/2023</a:t>
+              <a:t>5/12/2023</a:t>
             </a:fld>
             <a:endParaRPr lang="en-US"/>
           </a:p>
@@ -874,7 +874,7 @@
           <a:p>
             <a:fld id="{8247719E-A071-48C4-9162-8C0ACCCA0F96}" type="datetimeFigureOut">
               <a:rPr lang="en-US" smtClean="0"/>
-              <a:t>5/11/2023</a:t>
+              <a:t>5/12/2023</a:t>
             </a:fld>
             <a:endParaRPr lang="en-US"/>
           </a:p>
@@ -1149,7 +1149,7 @@
           <a:p>
             <a:fld id="{8247719E-A071-48C4-9162-8C0ACCCA0F96}" type="datetimeFigureOut">
               <a:rPr lang="en-US" smtClean="0"/>
-              <a:t>5/11/2023</a:t>
+              <a:t>5/12/2023</a:t>
             </a:fld>
             <a:endParaRPr lang="en-US"/>
           </a:p>
@@ -1414,7 +1414,7 @@
           <a:p>
             <a:fld id="{8247719E-A071-48C4-9162-8C0ACCCA0F96}" type="datetimeFigureOut">
               <a:rPr lang="en-US" smtClean="0"/>
-              <a:t>5/11/2023</a:t>
+              <a:t>5/12/2023</a:t>
             </a:fld>
             <a:endParaRPr lang="en-US"/>
           </a:p>
@@ -1826,7 +1826,7 @@
           <a:p>
             <a:fld id="{8247719E-A071-48C4-9162-8C0ACCCA0F96}" type="datetimeFigureOut">
               <a:rPr lang="en-US" smtClean="0"/>
-              <a:t>5/11/2023</a:t>
+              <a:t>5/12/2023</a:t>
             </a:fld>
             <a:endParaRPr lang="en-US"/>
           </a:p>
@@ -1967,7 +1967,7 @@
           <a:p>
             <a:fld id="{8247719E-A071-48C4-9162-8C0ACCCA0F96}" type="datetimeFigureOut">
               <a:rPr lang="en-US" smtClean="0"/>
-              <a:t>5/11/2023</a:t>
+              <a:t>5/12/2023</a:t>
             </a:fld>
             <a:endParaRPr lang="en-US"/>
           </a:p>
@@ -2080,7 +2080,7 @@
           <a:p>
             <a:fld id="{8247719E-A071-48C4-9162-8C0ACCCA0F96}" type="datetimeFigureOut">
               <a:rPr lang="en-US" smtClean="0"/>
-              <a:t>5/11/2023</a:t>
+              <a:t>5/12/2023</a:t>
             </a:fld>
             <a:endParaRPr lang="en-US"/>
           </a:p>
@@ -2391,7 +2391,7 @@
           <a:p>
             <a:fld id="{8247719E-A071-48C4-9162-8C0ACCCA0F96}" type="datetimeFigureOut">
               <a:rPr lang="en-US" smtClean="0"/>
-              <a:t>5/11/2023</a:t>
+              <a:t>5/12/2023</a:t>
             </a:fld>
             <a:endParaRPr lang="en-US"/>
           </a:p>
@@ -2679,7 +2679,7 @@
           <a:p>
             <a:fld id="{8247719E-A071-48C4-9162-8C0ACCCA0F96}" type="datetimeFigureOut">
               <a:rPr lang="en-US" smtClean="0"/>
-              <a:t>5/11/2023</a:t>
+              <a:t>5/12/2023</a:t>
             </a:fld>
             <a:endParaRPr lang="en-US"/>
           </a:p>
@@ -2920,7 +2920,7 @@
           <a:p>
             <a:fld id="{8247719E-A071-48C4-9162-8C0ACCCA0F96}" type="datetimeFigureOut">
               <a:rPr lang="en-US" smtClean="0"/>
-              <a:t>5/11/2023</a:t>
+              <a:t>5/12/2023</a:t>
             </a:fld>
             <a:endParaRPr lang="en-US"/>
           </a:p>
@@ -4295,7 +4295,7 @@
         <p:spPr/>
         <p:txBody>
           <a:bodyPr>
-            <a:normAutofit fontScale="77500" lnSpcReduction="20000"/>
+            <a:normAutofit fontScale="62500" lnSpcReduction="20000"/>
           </a:bodyPr>
           <a:lstStyle/>
           <a:p>
@@ -4359,6 +4359,17 @@
               <a:rPr lang="en-US" dirty="0"/>
               <a:t>Assign work to police officers</a:t>
             </a:r>
+          </a:p>
+          <a:p>
+            <a:pPr marL="342900" indent="-342900">
+              <a:buFont typeface="Wingdings" panose="05000000000000000000" pitchFamily="2" charset="2"/>
+              <a:buChar char="Ø"/>
+            </a:pPr>
+            <a:r>
+              <a:rPr lang="en-US"/>
+              <a:t>View Public users</a:t>
+            </a:r>
+            <a:endParaRPr lang="en-US" dirty="0"/>
           </a:p>
           <a:p>
             <a:pPr marL="342900" indent="-342900">

--- a/Crime record management system -1.pptx
+++ b/Crime record management system -1.pptx
@@ -270,7 +270,7 @@
           <a:p>
             <a:fld id="{8247719E-A071-48C4-9162-8C0ACCCA0F96}" type="datetimeFigureOut">
               <a:rPr lang="en-US" smtClean="0"/>
-              <a:t>5/12/2023</a:t>
+              <a:t>5/15/2023</a:t>
             </a:fld>
             <a:endParaRPr lang="en-US"/>
           </a:p>
@@ -468,7 +468,7 @@
           <a:p>
             <a:fld id="{8247719E-A071-48C4-9162-8C0ACCCA0F96}" type="datetimeFigureOut">
               <a:rPr lang="en-US" smtClean="0"/>
-              <a:t>5/12/2023</a:t>
+              <a:t>5/15/2023</a:t>
             </a:fld>
             <a:endParaRPr lang="en-US"/>
           </a:p>
@@ -676,7 +676,7 @@
           <a:p>
             <a:fld id="{8247719E-A071-48C4-9162-8C0ACCCA0F96}" type="datetimeFigureOut">
               <a:rPr lang="en-US" smtClean="0"/>
-              <a:t>5/12/2023</a:t>
+              <a:t>5/15/2023</a:t>
             </a:fld>
             <a:endParaRPr lang="en-US"/>
           </a:p>
@@ -874,7 +874,7 @@
           <a:p>
             <a:fld id="{8247719E-A071-48C4-9162-8C0ACCCA0F96}" type="datetimeFigureOut">
               <a:rPr lang="en-US" smtClean="0"/>
-              <a:t>5/12/2023</a:t>
+              <a:t>5/15/2023</a:t>
             </a:fld>
             <a:endParaRPr lang="en-US"/>
           </a:p>
@@ -1149,7 +1149,7 @@
           <a:p>
             <a:fld id="{8247719E-A071-48C4-9162-8C0ACCCA0F96}" type="datetimeFigureOut">
               <a:rPr lang="en-US" smtClean="0"/>
-              <a:t>5/12/2023</a:t>
+              <a:t>5/15/2023</a:t>
             </a:fld>
             <a:endParaRPr lang="en-US"/>
           </a:p>
@@ -1414,7 +1414,7 @@
           <a:p>
             <a:fld id="{8247719E-A071-48C4-9162-8C0ACCCA0F96}" type="datetimeFigureOut">
               <a:rPr lang="en-US" smtClean="0"/>
-              <a:t>5/12/2023</a:t>
+              <a:t>5/15/2023</a:t>
             </a:fld>
             <a:endParaRPr lang="en-US"/>
           </a:p>
@@ -1826,7 +1826,7 @@
           <a:p>
             <a:fld id="{8247719E-A071-48C4-9162-8C0ACCCA0F96}" type="datetimeFigureOut">
               <a:rPr lang="en-US" smtClean="0"/>
-              <a:t>5/12/2023</a:t>
+              <a:t>5/15/2023</a:t>
             </a:fld>
             <a:endParaRPr lang="en-US"/>
           </a:p>
@@ -1967,7 +1967,7 @@
           <a:p>
             <a:fld id="{8247719E-A071-48C4-9162-8C0ACCCA0F96}" type="datetimeFigureOut">
               <a:rPr lang="en-US" smtClean="0"/>
-              <a:t>5/12/2023</a:t>
+              <a:t>5/15/2023</a:t>
             </a:fld>
             <a:endParaRPr lang="en-US"/>
           </a:p>
@@ -2080,7 +2080,7 @@
           <a:p>
             <a:fld id="{8247719E-A071-48C4-9162-8C0ACCCA0F96}" type="datetimeFigureOut">
               <a:rPr lang="en-US" smtClean="0"/>
-              <a:t>5/12/2023</a:t>
+              <a:t>5/15/2023</a:t>
             </a:fld>
             <a:endParaRPr lang="en-US"/>
           </a:p>
@@ -2391,7 +2391,7 @@
           <a:p>
             <a:fld id="{8247719E-A071-48C4-9162-8C0ACCCA0F96}" type="datetimeFigureOut">
               <a:rPr lang="en-US" smtClean="0"/>
-              <a:t>5/12/2023</a:t>
+              <a:t>5/15/2023</a:t>
             </a:fld>
             <a:endParaRPr lang="en-US"/>
           </a:p>
@@ -2679,7 +2679,7 @@
           <a:p>
             <a:fld id="{8247719E-A071-48C4-9162-8C0ACCCA0F96}" type="datetimeFigureOut">
               <a:rPr lang="en-US" smtClean="0"/>
-              <a:t>5/12/2023</a:t>
+              <a:t>5/15/2023</a:t>
             </a:fld>
             <a:endParaRPr lang="en-US"/>
           </a:p>
@@ -2920,7 +2920,7 @@
           <a:p>
             <a:fld id="{8247719E-A071-48C4-9162-8C0ACCCA0F96}" type="datetimeFigureOut">
               <a:rPr lang="en-US" smtClean="0"/>
-              <a:t>5/12/2023</a:t>
+              <a:t>5/15/2023</a:t>
             </a:fld>
             <a:endParaRPr lang="en-US"/>
           </a:p>
@@ -4220,7 +4220,15 @@
             </a:pPr>
             <a:r>
               <a:rPr lang="en-US" dirty="0"/>
-              <a:t>To design and develop an application that will help to improve the efficiency and effectiveness of the police security measures in keeping criminal records and assign the necessary police officer to investigate the crime and provide a report in time and at low cost.</a:t>
+              <a:t>To design and develop </a:t>
+            </a:r>
+            <a:r>
+              <a:rPr lang="en-US"/>
+              <a:t>a website </a:t>
+            </a:r>
+            <a:r>
+              <a:rPr lang="en-US" dirty="0"/>
+              <a:t>that will help to improve the efficiency and effectiveness of the police security measures in keeping criminal records and assign the necessary police officer to investigate the crime and provide a report in time and at low cost.</a:t>
             </a:r>
           </a:p>
           <a:p>

--- a/Crime record management system -1.pptx
+++ b/Crime record management system -1.pptx
@@ -452,7 +452,7 @@
           <a:p>
             <a:fld id="{8247719E-A071-48C4-9162-8C0ACCCA0F96}" type="datetimeFigureOut">
               <a:rPr lang="en-US" smtClean="0"/>
-              <a:t>5/23/2023</a:t>
+              <a:t>6/29/2023</a:t>
             </a:fld>
             <a:endParaRPr lang="en-US"/>
           </a:p>
@@ -776,7 +776,7 @@
           <a:p>
             <a:fld id="{8247719E-A071-48C4-9162-8C0ACCCA0F96}" type="datetimeFigureOut">
               <a:rPr lang="en-US" smtClean="0"/>
-              <a:t>5/23/2023</a:t>
+              <a:t>6/29/2023</a:t>
             </a:fld>
             <a:endParaRPr lang="en-US"/>
           </a:p>
@@ -1024,7 +1024,7 @@
           <a:p>
             <a:fld id="{8247719E-A071-48C4-9162-8C0ACCCA0F96}" type="datetimeFigureOut">
               <a:rPr lang="en-US" smtClean="0"/>
-              <a:t>5/23/2023</a:t>
+              <a:t>6/29/2023</a:t>
             </a:fld>
             <a:endParaRPr lang="en-US"/>
           </a:p>
@@ -1363,7 +1363,7 @@
           <a:p>
             <a:fld id="{8247719E-A071-48C4-9162-8C0ACCCA0F96}" type="datetimeFigureOut">
               <a:rPr lang="en-US" smtClean="0"/>
-              <a:t>5/23/2023</a:t>
+              <a:t>6/29/2023</a:t>
             </a:fld>
             <a:endParaRPr lang="en-US"/>
           </a:p>
@@ -1710,7 +1710,7 @@
           <a:p>
             <a:fld id="{8247719E-A071-48C4-9162-8C0ACCCA0F96}" type="datetimeFigureOut">
               <a:rPr lang="en-US" smtClean="0"/>
-              <a:t>5/23/2023</a:t>
+              <a:t>6/29/2023</a:t>
             </a:fld>
             <a:endParaRPr lang="en-US"/>
           </a:p>
@@ -2084,7 +2084,7 @@
           <a:p>
             <a:fld id="{8247719E-A071-48C4-9162-8C0ACCCA0F96}" type="datetimeFigureOut">
               <a:rPr lang="en-US" smtClean="0"/>
-              <a:t>5/23/2023</a:t>
+              <a:t>6/29/2023</a:t>
             </a:fld>
             <a:endParaRPr lang="en-US"/>
           </a:p>
@@ -2554,7 +2554,7 @@
           <a:p>
             <a:fld id="{8247719E-A071-48C4-9162-8C0ACCCA0F96}" type="datetimeFigureOut">
               <a:rPr lang="en-US" smtClean="0"/>
-              <a:t>5/23/2023</a:t>
+              <a:t>6/29/2023</a:t>
             </a:fld>
             <a:endParaRPr lang="en-US"/>
           </a:p>
@@ -2759,7 +2759,7 @@
           <a:p>
             <a:fld id="{8247719E-A071-48C4-9162-8C0ACCCA0F96}" type="datetimeFigureOut">
               <a:rPr lang="en-US" smtClean="0"/>
-              <a:t>5/23/2023</a:t>
+              <a:t>6/29/2023</a:t>
             </a:fld>
             <a:endParaRPr lang="en-US"/>
           </a:p>
@@ -2970,7 +2970,7 @@
           <a:p>
             <a:fld id="{8247719E-A071-48C4-9162-8C0ACCCA0F96}" type="datetimeFigureOut">
               <a:rPr lang="en-US" smtClean="0"/>
-              <a:t>5/23/2023</a:t>
+              <a:t>6/29/2023</a:t>
             </a:fld>
             <a:endParaRPr lang="en-US"/>
           </a:p>
@@ -3202,7 +3202,7 @@
           <a:p>
             <a:fld id="{8247719E-A071-48C4-9162-8C0ACCCA0F96}" type="datetimeFigureOut">
               <a:rPr lang="en-US" smtClean="0"/>
-              <a:t>5/23/2023</a:t>
+              <a:t>6/29/2023</a:t>
             </a:fld>
             <a:endParaRPr lang="en-US"/>
           </a:p>
@@ -3450,7 +3450,7 @@
           <a:p>
             <a:fld id="{8247719E-A071-48C4-9162-8C0ACCCA0F96}" type="datetimeFigureOut">
               <a:rPr lang="en-US" smtClean="0"/>
-              <a:t>5/23/2023</a:t>
+              <a:t>6/29/2023</a:t>
             </a:fld>
             <a:endParaRPr lang="en-US"/>
           </a:p>
@@ -3748,7 +3748,7 @@
           <a:p>
             <a:fld id="{8247719E-A071-48C4-9162-8C0ACCCA0F96}" type="datetimeFigureOut">
               <a:rPr lang="en-US" smtClean="0"/>
-              <a:t>5/23/2023</a:t>
+              <a:t>6/29/2023</a:t>
             </a:fld>
             <a:endParaRPr lang="en-US"/>
           </a:p>
@@ -4142,7 +4142,7 @@
           <a:p>
             <a:fld id="{8247719E-A071-48C4-9162-8C0ACCCA0F96}" type="datetimeFigureOut">
               <a:rPr lang="en-US" smtClean="0"/>
-              <a:t>5/23/2023</a:t>
+              <a:t>6/29/2023</a:t>
             </a:fld>
             <a:endParaRPr lang="en-US"/>
           </a:p>
@@ -4291,7 +4291,7 @@
           <a:p>
             <a:fld id="{8247719E-A071-48C4-9162-8C0ACCCA0F96}" type="datetimeFigureOut">
               <a:rPr lang="en-US" smtClean="0"/>
-              <a:t>5/23/2023</a:t>
+              <a:t>6/29/2023</a:t>
             </a:fld>
             <a:endParaRPr lang="en-US"/>
           </a:p>
@@ -4417,7 +4417,7 @@
           <a:p>
             <a:fld id="{8247719E-A071-48C4-9162-8C0ACCCA0F96}" type="datetimeFigureOut">
               <a:rPr lang="en-US" smtClean="0"/>
-              <a:t>5/23/2023</a:t>
+              <a:t>6/29/2023</a:t>
             </a:fld>
             <a:endParaRPr lang="en-US"/>
           </a:p>
@@ -4672,7 +4672,7 @@
           <a:p>
             <a:fld id="{8247719E-A071-48C4-9162-8C0ACCCA0F96}" type="datetimeFigureOut">
               <a:rPr lang="en-US" smtClean="0"/>
-              <a:t>5/23/2023</a:t>
+              <a:t>6/29/2023</a:t>
             </a:fld>
             <a:endParaRPr lang="en-US"/>
           </a:p>
@@ -4987,7 +4987,7 @@
           <a:p>
             <a:fld id="{8247719E-A071-48C4-9162-8C0ACCCA0F96}" type="datetimeFigureOut">
               <a:rPr lang="en-US" smtClean="0"/>
-              <a:t>5/23/2023</a:t>
+              <a:t>6/29/2023</a:t>
             </a:fld>
             <a:endParaRPr lang="en-US"/>
           </a:p>
@@ -5338,7 +5338,7 @@
           <a:p>
             <a:fld id="{8247719E-A071-48C4-9162-8C0ACCCA0F96}" type="datetimeFigureOut">
               <a:rPr lang="en-US" smtClean="0"/>
-              <a:t>5/23/2023</a:t>
+              <a:t>6/29/2023</a:t>
             </a:fld>
             <a:endParaRPr lang="en-US"/>
           </a:p>
@@ -5936,11 +5936,23 @@
                 <a:latin typeface="Arial Black" panose="020B0A04020102020204" pitchFamily="34" charset="0"/>
               </a:rPr>
             </a:br>
+            <a:r>
+              <a:rPr lang="en-US" sz="4000" b="1" dirty="0">
+                <a:latin typeface="Arial Black" panose="020B0A04020102020204" pitchFamily="34" charset="0"/>
+              </a:rPr>
+              <a:t/>
+            </a:r>
             <a:br>
               <a:rPr lang="en-US" sz="4000" b="1" dirty="0">
                 <a:latin typeface="Arial Black" panose="020B0A04020102020204" pitchFamily="34" charset="0"/>
               </a:rPr>
             </a:br>
+            <a:r>
+              <a:rPr lang="en-US" sz="4000" b="1" dirty="0">
+                <a:latin typeface="Arial Black" panose="020B0A04020102020204" pitchFamily="34" charset="0"/>
+              </a:rPr>
+              <a:t/>
+            </a:r>
             <a:br>
               <a:rPr lang="en-US" sz="4000" b="1" dirty="0">
                 <a:latin typeface="Arial Black" panose="020B0A04020102020204" pitchFamily="34" charset="0"/>
@@ -6407,9 +6419,10 @@
               <a:buChar char="Ø"/>
             </a:pPr>
             <a:r>
-              <a:rPr lang="en-US" dirty="0"/>
-              <a:t>Data recording</a:t>
-            </a:r>
+              <a:rPr lang="en-US" dirty="0" smtClean="0"/>
+              <a:t>Case registering</a:t>
+            </a:r>
+            <a:endParaRPr lang="en-US" dirty="0"/>
           </a:p>
           <a:p>
             <a:pPr marL="342900" indent="-342900">
@@ -6417,9 +6430,10 @@
               <a:buChar char="Ø"/>
             </a:pPr>
             <a:r>
-              <a:rPr lang="en-US" dirty="0"/>
-              <a:t>Data retrieval</a:t>
-            </a:r>
+              <a:rPr lang="en-US" dirty="0" smtClean="0"/>
+              <a:t>Case management</a:t>
+            </a:r>
+            <a:endParaRPr lang="en-US" dirty="0"/>
           </a:p>
           <a:p>
             <a:pPr marL="342900" indent="-342900">
@@ -6428,27 +6442,12 @@
             </a:pPr>
             <a:r>
               <a:rPr lang="en-US" dirty="0"/>
-              <a:t>Generate reports</a:t>
-            </a:r>
-          </a:p>
-          <a:p>
-            <a:pPr marL="342900" indent="-342900">
-              <a:buFont typeface="Wingdings" panose="05000000000000000000" pitchFamily="2" charset="2"/>
-              <a:buChar char="Ø"/>
-            </a:pPr>
-            <a:r>
-              <a:rPr lang="en-US" dirty="0"/>
-              <a:t>Data sharing</a:t>
-            </a:r>
-          </a:p>
-          <a:p>
-            <a:pPr marL="342900" indent="-342900">
-              <a:buFont typeface="Wingdings" panose="05000000000000000000" pitchFamily="2" charset="2"/>
-              <a:buChar char="Ø"/>
-            </a:pPr>
-            <a:endParaRPr lang="en-US" dirty="0"/>
-          </a:p>
-          <a:p>
+              <a:t>Generate </a:t>
+            </a:r>
+            <a:r>
+              <a:rPr lang="en-US" dirty="0" smtClean="0"/>
+              <a:t>reports</a:t>
+            </a:r>
             <a:endParaRPr lang="en-US" dirty="0"/>
           </a:p>
         </p:txBody>
@@ -7180,9 +7179,10 @@
               <a:buChar char="Ø"/>
             </a:pPr>
             <a:r>
-              <a:rPr lang="en-US" dirty="0"/>
-              <a:t>Xampp for Database management</a:t>
-            </a:r>
+              <a:rPr lang="en-US" dirty="0" smtClean="0"/>
+              <a:t>MySQL Database</a:t>
+            </a:r>
+            <a:endParaRPr lang="en-US" dirty="0"/>
           </a:p>
           <a:p>
             <a:pPr>

--- a/Crime record management system -1.pptx
+++ b/Crime record management system -1.pptx
@@ -452,7 +452,7 @@
           <a:p>
             <a:fld id="{8247719E-A071-48C4-9162-8C0ACCCA0F96}" type="datetimeFigureOut">
               <a:rPr lang="en-US" smtClean="0"/>
-              <a:t>6/29/2023</a:t>
+              <a:t>6/30/2023</a:t>
             </a:fld>
             <a:endParaRPr lang="en-US"/>
           </a:p>
@@ -776,7 +776,7 @@
           <a:p>
             <a:fld id="{8247719E-A071-48C4-9162-8C0ACCCA0F96}" type="datetimeFigureOut">
               <a:rPr lang="en-US" smtClean="0"/>
-              <a:t>6/29/2023</a:t>
+              <a:t>6/30/2023</a:t>
             </a:fld>
             <a:endParaRPr lang="en-US"/>
           </a:p>
@@ -1024,7 +1024,7 @@
           <a:p>
             <a:fld id="{8247719E-A071-48C4-9162-8C0ACCCA0F96}" type="datetimeFigureOut">
               <a:rPr lang="en-US" smtClean="0"/>
-              <a:t>6/29/2023</a:t>
+              <a:t>6/30/2023</a:t>
             </a:fld>
             <a:endParaRPr lang="en-US"/>
           </a:p>
@@ -1363,7 +1363,7 @@
           <a:p>
             <a:fld id="{8247719E-A071-48C4-9162-8C0ACCCA0F96}" type="datetimeFigureOut">
               <a:rPr lang="en-US" smtClean="0"/>
-              <a:t>6/29/2023</a:t>
+              <a:t>6/30/2023</a:t>
             </a:fld>
             <a:endParaRPr lang="en-US"/>
           </a:p>
@@ -1710,7 +1710,7 @@
           <a:p>
             <a:fld id="{8247719E-A071-48C4-9162-8C0ACCCA0F96}" type="datetimeFigureOut">
               <a:rPr lang="en-US" smtClean="0"/>
-              <a:t>6/29/2023</a:t>
+              <a:t>6/30/2023</a:t>
             </a:fld>
             <a:endParaRPr lang="en-US"/>
           </a:p>
@@ -2084,7 +2084,7 @@
           <a:p>
             <a:fld id="{8247719E-A071-48C4-9162-8C0ACCCA0F96}" type="datetimeFigureOut">
               <a:rPr lang="en-US" smtClean="0"/>
-              <a:t>6/29/2023</a:t>
+              <a:t>6/30/2023</a:t>
             </a:fld>
             <a:endParaRPr lang="en-US"/>
           </a:p>
@@ -2554,7 +2554,7 @@
           <a:p>
             <a:fld id="{8247719E-A071-48C4-9162-8C0ACCCA0F96}" type="datetimeFigureOut">
               <a:rPr lang="en-US" smtClean="0"/>
-              <a:t>6/29/2023</a:t>
+              <a:t>6/30/2023</a:t>
             </a:fld>
             <a:endParaRPr lang="en-US"/>
           </a:p>
@@ -2759,7 +2759,7 @@
           <a:p>
             <a:fld id="{8247719E-A071-48C4-9162-8C0ACCCA0F96}" type="datetimeFigureOut">
               <a:rPr lang="en-US" smtClean="0"/>
-              <a:t>6/29/2023</a:t>
+              <a:t>6/30/2023</a:t>
             </a:fld>
             <a:endParaRPr lang="en-US"/>
           </a:p>
@@ -2970,7 +2970,7 @@
           <a:p>
             <a:fld id="{8247719E-A071-48C4-9162-8C0ACCCA0F96}" type="datetimeFigureOut">
               <a:rPr lang="en-US" smtClean="0"/>
-              <a:t>6/29/2023</a:t>
+              <a:t>6/30/2023</a:t>
             </a:fld>
             <a:endParaRPr lang="en-US"/>
           </a:p>
@@ -3202,7 +3202,7 @@
           <a:p>
             <a:fld id="{8247719E-A071-48C4-9162-8C0ACCCA0F96}" type="datetimeFigureOut">
               <a:rPr lang="en-US" smtClean="0"/>
-              <a:t>6/29/2023</a:t>
+              <a:t>6/30/2023</a:t>
             </a:fld>
             <a:endParaRPr lang="en-US"/>
           </a:p>
@@ -3450,7 +3450,7 @@
           <a:p>
             <a:fld id="{8247719E-A071-48C4-9162-8C0ACCCA0F96}" type="datetimeFigureOut">
               <a:rPr lang="en-US" smtClean="0"/>
-              <a:t>6/29/2023</a:t>
+              <a:t>6/30/2023</a:t>
             </a:fld>
             <a:endParaRPr lang="en-US"/>
           </a:p>
@@ -3748,7 +3748,7 @@
           <a:p>
             <a:fld id="{8247719E-A071-48C4-9162-8C0ACCCA0F96}" type="datetimeFigureOut">
               <a:rPr lang="en-US" smtClean="0"/>
-              <a:t>6/29/2023</a:t>
+              <a:t>6/30/2023</a:t>
             </a:fld>
             <a:endParaRPr lang="en-US"/>
           </a:p>
@@ -4142,7 +4142,7 @@
           <a:p>
             <a:fld id="{8247719E-A071-48C4-9162-8C0ACCCA0F96}" type="datetimeFigureOut">
               <a:rPr lang="en-US" smtClean="0"/>
-              <a:t>6/29/2023</a:t>
+              <a:t>6/30/2023</a:t>
             </a:fld>
             <a:endParaRPr lang="en-US"/>
           </a:p>
@@ -4291,7 +4291,7 @@
           <a:p>
             <a:fld id="{8247719E-A071-48C4-9162-8C0ACCCA0F96}" type="datetimeFigureOut">
               <a:rPr lang="en-US" smtClean="0"/>
-              <a:t>6/29/2023</a:t>
+              <a:t>6/30/2023</a:t>
             </a:fld>
             <a:endParaRPr lang="en-US"/>
           </a:p>
@@ -4417,7 +4417,7 @@
           <a:p>
             <a:fld id="{8247719E-A071-48C4-9162-8C0ACCCA0F96}" type="datetimeFigureOut">
               <a:rPr lang="en-US" smtClean="0"/>
-              <a:t>6/29/2023</a:t>
+              <a:t>6/30/2023</a:t>
             </a:fld>
             <a:endParaRPr lang="en-US"/>
           </a:p>
@@ -4672,7 +4672,7 @@
           <a:p>
             <a:fld id="{8247719E-A071-48C4-9162-8C0ACCCA0F96}" type="datetimeFigureOut">
               <a:rPr lang="en-US" smtClean="0"/>
-              <a:t>6/29/2023</a:t>
+              <a:t>6/30/2023</a:t>
             </a:fld>
             <a:endParaRPr lang="en-US"/>
           </a:p>
@@ -4987,7 +4987,7 @@
           <a:p>
             <a:fld id="{8247719E-A071-48C4-9162-8C0ACCCA0F96}" type="datetimeFigureOut">
               <a:rPr lang="en-US" smtClean="0"/>
-              <a:t>6/29/2023</a:t>
+              <a:t>6/30/2023</a:t>
             </a:fld>
             <a:endParaRPr lang="en-US"/>
           </a:p>
@@ -5338,7 +5338,7 @@
           <a:p>
             <a:fld id="{8247719E-A071-48C4-9162-8C0ACCCA0F96}" type="datetimeFigureOut">
               <a:rPr lang="en-US" smtClean="0"/>
-              <a:t>6/29/2023</a:t>
+              <a:t>6/30/2023</a:t>
             </a:fld>
             <a:endParaRPr lang="en-US"/>
           </a:p>
@@ -5936,23 +5936,11 @@
                 <a:latin typeface="Arial Black" panose="020B0A04020102020204" pitchFamily="34" charset="0"/>
               </a:rPr>
             </a:br>
-            <a:r>
-              <a:rPr lang="en-US" sz="4000" b="1" dirty="0">
-                <a:latin typeface="Arial Black" panose="020B0A04020102020204" pitchFamily="34" charset="0"/>
-              </a:rPr>
-              <a:t/>
-            </a:r>
             <a:br>
               <a:rPr lang="en-US" sz="4000" b="1" dirty="0">
                 <a:latin typeface="Arial Black" panose="020B0A04020102020204" pitchFamily="34" charset="0"/>
               </a:rPr>
             </a:br>
-            <a:r>
-              <a:rPr lang="en-US" sz="4000" b="1" dirty="0">
-                <a:latin typeface="Arial Black" panose="020B0A04020102020204" pitchFamily="34" charset="0"/>
-              </a:rPr>
-              <a:t/>
-            </a:r>
             <a:br>
               <a:rPr lang="en-US" sz="4000" b="1" dirty="0">
                 <a:latin typeface="Arial Black" panose="020B0A04020102020204" pitchFamily="34" charset="0"/>
@@ -6419,10 +6407,9 @@
               <a:buChar char="Ø"/>
             </a:pPr>
             <a:r>
-              <a:rPr lang="en-US" dirty="0" smtClean="0"/>
-              <a:t>Case registering</a:t>
-            </a:r>
-            <a:endParaRPr lang="en-US" dirty="0"/>
+              <a:rPr lang="en-US" dirty="0"/>
+              <a:t>Case management</a:t>
+            </a:r>
           </a:p>
           <a:p>
             <a:pPr marL="342900" indent="-342900">
@@ -6430,25 +6417,9 @@
               <a:buChar char="Ø"/>
             </a:pPr>
             <a:r>
-              <a:rPr lang="en-US" dirty="0" smtClean="0"/>
-              <a:t>Case management</a:t>
-            </a:r>
-            <a:endParaRPr lang="en-US" dirty="0"/>
-          </a:p>
-          <a:p>
-            <a:pPr marL="342900" indent="-342900">
-              <a:buFont typeface="Wingdings" panose="05000000000000000000" pitchFamily="2" charset="2"/>
-              <a:buChar char="Ø"/>
-            </a:pPr>
-            <a:r>
               <a:rPr lang="en-US" dirty="0"/>
-              <a:t>Generate </a:t>
-            </a:r>
-            <a:r>
-              <a:rPr lang="en-US" dirty="0" smtClean="0"/>
-              <a:t>reports</a:t>
-            </a:r>
-            <a:endParaRPr lang="en-US" dirty="0"/>
+              <a:t>Generate reports</a:t>
+            </a:r>
           </a:p>
         </p:txBody>
       </p:sp>
@@ -7179,10 +7150,9 @@
               <a:buChar char="Ø"/>
             </a:pPr>
             <a:r>
-              <a:rPr lang="en-US" dirty="0" smtClean="0"/>
+              <a:rPr lang="en-US" dirty="0"/>
               <a:t>MySQL Database</a:t>
             </a:r>
-            <a:endParaRPr lang="en-US" dirty="0"/>
           </a:p>
           <a:p>
             <a:pPr>

--- a/Crime record management system -1.pptx
+++ b/Crime record management system -1.pptx
@@ -452,7 +452,7 @@
           <a:p>
             <a:fld id="{8247719E-A071-48C4-9162-8C0ACCCA0F96}" type="datetimeFigureOut">
               <a:rPr lang="en-US" smtClean="0"/>
-              <a:t>6/29/2023</a:t>
+              <a:t>6/30/2023</a:t>
             </a:fld>
             <a:endParaRPr lang="en-US"/>
           </a:p>
@@ -776,7 +776,7 @@
           <a:p>
             <a:fld id="{8247719E-A071-48C4-9162-8C0ACCCA0F96}" type="datetimeFigureOut">
               <a:rPr lang="en-US" smtClean="0"/>
-              <a:t>6/29/2023</a:t>
+              <a:t>6/30/2023</a:t>
             </a:fld>
             <a:endParaRPr lang="en-US"/>
           </a:p>
@@ -1024,7 +1024,7 @@
           <a:p>
             <a:fld id="{8247719E-A071-48C4-9162-8C0ACCCA0F96}" type="datetimeFigureOut">
               <a:rPr lang="en-US" smtClean="0"/>
-              <a:t>6/29/2023</a:t>
+              <a:t>6/30/2023</a:t>
             </a:fld>
             <a:endParaRPr lang="en-US"/>
           </a:p>
@@ -1363,7 +1363,7 @@
           <a:p>
             <a:fld id="{8247719E-A071-48C4-9162-8C0ACCCA0F96}" type="datetimeFigureOut">
               <a:rPr lang="en-US" smtClean="0"/>
-              <a:t>6/29/2023</a:t>
+              <a:t>6/30/2023</a:t>
             </a:fld>
             <a:endParaRPr lang="en-US"/>
           </a:p>
@@ -1710,7 +1710,7 @@
           <a:p>
             <a:fld id="{8247719E-A071-48C4-9162-8C0ACCCA0F96}" type="datetimeFigureOut">
               <a:rPr lang="en-US" smtClean="0"/>
-              <a:t>6/29/2023</a:t>
+              <a:t>6/30/2023</a:t>
             </a:fld>
             <a:endParaRPr lang="en-US"/>
           </a:p>
@@ -2084,7 +2084,7 @@
           <a:p>
             <a:fld id="{8247719E-A071-48C4-9162-8C0ACCCA0F96}" type="datetimeFigureOut">
               <a:rPr lang="en-US" smtClean="0"/>
-              <a:t>6/29/2023</a:t>
+              <a:t>6/30/2023</a:t>
             </a:fld>
             <a:endParaRPr lang="en-US"/>
           </a:p>
@@ -2554,7 +2554,7 @@
           <a:p>
             <a:fld id="{8247719E-A071-48C4-9162-8C0ACCCA0F96}" type="datetimeFigureOut">
               <a:rPr lang="en-US" smtClean="0"/>
-              <a:t>6/29/2023</a:t>
+              <a:t>6/30/2023</a:t>
             </a:fld>
             <a:endParaRPr lang="en-US"/>
           </a:p>
@@ -2759,7 +2759,7 @@
           <a:p>
             <a:fld id="{8247719E-A071-48C4-9162-8C0ACCCA0F96}" type="datetimeFigureOut">
               <a:rPr lang="en-US" smtClean="0"/>
-              <a:t>6/29/2023</a:t>
+              <a:t>6/30/2023</a:t>
             </a:fld>
             <a:endParaRPr lang="en-US"/>
           </a:p>
@@ -2970,7 +2970,7 @@
           <a:p>
             <a:fld id="{8247719E-A071-48C4-9162-8C0ACCCA0F96}" type="datetimeFigureOut">
               <a:rPr lang="en-US" smtClean="0"/>
-              <a:t>6/29/2023</a:t>
+              <a:t>6/30/2023</a:t>
             </a:fld>
             <a:endParaRPr lang="en-US"/>
           </a:p>
@@ -3202,7 +3202,7 @@
           <a:p>
             <a:fld id="{8247719E-A071-48C4-9162-8C0ACCCA0F96}" type="datetimeFigureOut">
               <a:rPr lang="en-US" smtClean="0"/>
-              <a:t>6/29/2023</a:t>
+              <a:t>6/30/2023</a:t>
             </a:fld>
             <a:endParaRPr lang="en-US"/>
           </a:p>
@@ -3450,7 +3450,7 @@
           <a:p>
             <a:fld id="{8247719E-A071-48C4-9162-8C0ACCCA0F96}" type="datetimeFigureOut">
               <a:rPr lang="en-US" smtClean="0"/>
-              <a:t>6/29/2023</a:t>
+              <a:t>6/30/2023</a:t>
             </a:fld>
             <a:endParaRPr lang="en-US"/>
           </a:p>
@@ -3748,7 +3748,7 @@
           <a:p>
             <a:fld id="{8247719E-A071-48C4-9162-8C0ACCCA0F96}" type="datetimeFigureOut">
               <a:rPr lang="en-US" smtClean="0"/>
-              <a:t>6/29/2023</a:t>
+              <a:t>6/30/2023</a:t>
             </a:fld>
             <a:endParaRPr lang="en-US"/>
           </a:p>
@@ -4142,7 +4142,7 @@
           <a:p>
             <a:fld id="{8247719E-A071-48C4-9162-8C0ACCCA0F96}" type="datetimeFigureOut">
               <a:rPr lang="en-US" smtClean="0"/>
-              <a:t>6/29/2023</a:t>
+              <a:t>6/30/2023</a:t>
             </a:fld>
             <a:endParaRPr lang="en-US"/>
           </a:p>
@@ -4291,7 +4291,7 @@
           <a:p>
             <a:fld id="{8247719E-A071-48C4-9162-8C0ACCCA0F96}" type="datetimeFigureOut">
               <a:rPr lang="en-US" smtClean="0"/>
-              <a:t>6/29/2023</a:t>
+              <a:t>6/30/2023</a:t>
             </a:fld>
             <a:endParaRPr lang="en-US"/>
           </a:p>
@@ -4417,7 +4417,7 @@
           <a:p>
             <a:fld id="{8247719E-A071-48C4-9162-8C0ACCCA0F96}" type="datetimeFigureOut">
               <a:rPr lang="en-US" smtClean="0"/>
-              <a:t>6/29/2023</a:t>
+              <a:t>6/30/2023</a:t>
             </a:fld>
             <a:endParaRPr lang="en-US"/>
           </a:p>
@@ -4672,7 +4672,7 @@
           <a:p>
             <a:fld id="{8247719E-A071-48C4-9162-8C0ACCCA0F96}" type="datetimeFigureOut">
               <a:rPr lang="en-US" smtClean="0"/>
-              <a:t>6/29/2023</a:t>
+              <a:t>6/30/2023</a:t>
             </a:fld>
             <a:endParaRPr lang="en-US"/>
           </a:p>
@@ -4987,7 +4987,7 @@
           <a:p>
             <a:fld id="{8247719E-A071-48C4-9162-8C0ACCCA0F96}" type="datetimeFigureOut">
               <a:rPr lang="en-US" smtClean="0"/>
-              <a:t>6/29/2023</a:t>
+              <a:t>6/30/2023</a:t>
             </a:fld>
             <a:endParaRPr lang="en-US"/>
           </a:p>
@@ -5338,7 +5338,7 @@
           <a:p>
             <a:fld id="{8247719E-A071-48C4-9162-8C0ACCCA0F96}" type="datetimeFigureOut">
               <a:rPr lang="en-US" smtClean="0"/>
-              <a:t>6/29/2023</a:t>
+              <a:t>6/30/2023</a:t>
             </a:fld>
             <a:endParaRPr lang="en-US"/>
           </a:p>
@@ -6410,8 +6410,13 @@
           <a:p>
             <a:r>
               <a:rPr lang="en-US" dirty="0"/>
-              <a:t>System should be able to do the following</a:t>
-            </a:r>
+              <a:t>System should be able to do the </a:t>
+            </a:r>
+            <a:r>
+              <a:rPr lang="en-US" dirty="0" smtClean="0"/>
+              <a:t>following</a:t>
+            </a:r>
+            <a:endParaRPr lang="en-US" dirty="0"/>
           </a:p>
           <a:p>
             <a:pPr marL="342900" indent="-342900">
@@ -6420,18 +6425,33 @@
             </a:pPr>
             <a:r>
               <a:rPr lang="en-US" dirty="0" smtClean="0"/>
-              <a:t>Case registering</a:t>
-            </a:r>
-            <a:endParaRPr lang="en-US" dirty="0"/>
-          </a:p>
-          <a:p>
-            <a:pPr marL="342900" indent="-342900">
+              <a:t>Case </a:t>
+            </a:r>
+            <a:r>
+              <a:rPr lang="en-US" dirty="0" smtClean="0"/>
+              <a:t>management</a:t>
+            </a:r>
+          </a:p>
+          <a:p>
+            <a:pPr marL="800100" lvl="1" indent="-342900">
               <a:buFont typeface="Wingdings" panose="05000000000000000000" pitchFamily="2" charset="2"/>
               <a:buChar char="Ø"/>
             </a:pPr>
             <a:r>
+              <a:rPr lang="en-US" smtClean="0"/>
+              <a:t>Case registration, </a:t>
+            </a:r>
+            <a:r>
+              <a:rPr lang="en-US" dirty="0"/>
+              <a:t>storage, and retrieval </a:t>
+            </a:r>
+            <a:r>
               <a:rPr lang="en-US" dirty="0" smtClean="0"/>
-              <a:t>Case management</a:t>
+              <a:t>of case </a:t>
+            </a:r>
+            <a:r>
+              <a:rPr lang="en-US" dirty="0"/>
+              <a:t>records</a:t>
             </a:r>
             <a:endParaRPr lang="en-US" dirty="0"/>
           </a:p>

--- a/Crime record management system -1.pptx
+++ b/Crime record management system -1.pptx
@@ -452,7 +452,7 @@
           <a:p>
             <a:fld id="{8247719E-A071-48C4-9162-8C0ACCCA0F96}" type="datetimeFigureOut">
               <a:rPr lang="en-US" smtClean="0"/>
-              <a:t>6/30/2023</a:t>
+              <a:t>7/9/2023</a:t>
             </a:fld>
             <a:endParaRPr lang="en-US"/>
           </a:p>
@@ -776,7 +776,7 @@
           <a:p>
             <a:fld id="{8247719E-A071-48C4-9162-8C0ACCCA0F96}" type="datetimeFigureOut">
               <a:rPr lang="en-US" smtClean="0"/>
-              <a:t>6/30/2023</a:t>
+              <a:t>7/9/2023</a:t>
             </a:fld>
             <a:endParaRPr lang="en-US"/>
           </a:p>
@@ -1024,7 +1024,7 @@
           <a:p>
             <a:fld id="{8247719E-A071-48C4-9162-8C0ACCCA0F96}" type="datetimeFigureOut">
               <a:rPr lang="en-US" smtClean="0"/>
-              <a:t>6/30/2023</a:t>
+              <a:t>7/9/2023</a:t>
             </a:fld>
             <a:endParaRPr lang="en-US"/>
           </a:p>
@@ -1363,7 +1363,7 @@
           <a:p>
             <a:fld id="{8247719E-A071-48C4-9162-8C0ACCCA0F96}" type="datetimeFigureOut">
               <a:rPr lang="en-US" smtClean="0"/>
-              <a:t>6/30/2023</a:t>
+              <a:t>7/9/2023</a:t>
             </a:fld>
             <a:endParaRPr lang="en-US"/>
           </a:p>
@@ -1710,7 +1710,7 @@
           <a:p>
             <a:fld id="{8247719E-A071-48C4-9162-8C0ACCCA0F96}" type="datetimeFigureOut">
               <a:rPr lang="en-US" smtClean="0"/>
-              <a:t>6/30/2023</a:t>
+              <a:t>7/9/2023</a:t>
             </a:fld>
             <a:endParaRPr lang="en-US"/>
           </a:p>
@@ -2084,7 +2084,7 @@
           <a:p>
             <a:fld id="{8247719E-A071-48C4-9162-8C0ACCCA0F96}" type="datetimeFigureOut">
               <a:rPr lang="en-US" smtClean="0"/>
-              <a:t>6/30/2023</a:t>
+              <a:t>7/9/2023</a:t>
             </a:fld>
             <a:endParaRPr lang="en-US"/>
           </a:p>
@@ -2554,7 +2554,7 @@
           <a:p>
             <a:fld id="{8247719E-A071-48C4-9162-8C0ACCCA0F96}" type="datetimeFigureOut">
               <a:rPr lang="en-US" smtClean="0"/>
-              <a:t>6/30/2023</a:t>
+              <a:t>7/9/2023</a:t>
             </a:fld>
             <a:endParaRPr lang="en-US"/>
           </a:p>
@@ -2759,7 +2759,7 @@
           <a:p>
             <a:fld id="{8247719E-A071-48C4-9162-8C0ACCCA0F96}" type="datetimeFigureOut">
               <a:rPr lang="en-US" smtClean="0"/>
-              <a:t>6/30/2023</a:t>
+              <a:t>7/9/2023</a:t>
             </a:fld>
             <a:endParaRPr lang="en-US"/>
           </a:p>
@@ -2970,7 +2970,7 @@
           <a:p>
             <a:fld id="{8247719E-A071-48C4-9162-8C0ACCCA0F96}" type="datetimeFigureOut">
               <a:rPr lang="en-US" smtClean="0"/>
-              <a:t>6/30/2023</a:t>
+              <a:t>7/9/2023</a:t>
             </a:fld>
             <a:endParaRPr lang="en-US"/>
           </a:p>
@@ -3202,7 +3202,7 @@
           <a:p>
             <a:fld id="{8247719E-A071-48C4-9162-8C0ACCCA0F96}" type="datetimeFigureOut">
               <a:rPr lang="en-US" smtClean="0"/>
-              <a:t>6/30/2023</a:t>
+              <a:t>7/9/2023</a:t>
             </a:fld>
             <a:endParaRPr lang="en-US"/>
           </a:p>
@@ -3450,7 +3450,7 @@
           <a:p>
             <a:fld id="{8247719E-A071-48C4-9162-8C0ACCCA0F96}" type="datetimeFigureOut">
               <a:rPr lang="en-US" smtClean="0"/>
-              <a:t>6/30/2023</a:t>
+              <a:t>7/9/2023</a:t>
             </a:fld>
             <a:endParaRPr lang="en-US"/>
           </a:p>
@@ -3748,7 +3748,7 @@
           <a:p>
             <a:fld id="{8247719E-A071-48C4-9162-8C0ACCCA0F96}" type="datetimeFigureOut">
               <a:rPr lang="en-US" smtClean="0"/>
-              <a:t>6/30/2023</a:t>
+              <a:t>7/9/2023</a:t>
             </a:fld>
             <a:endParaRPr lang="en-US"/>
           </a:p>
@@ -4142,7 +4142,7 @@
           <a:p>
             <a:fld id="{8247719E-A071-48C4-9162-8C0ACCCA0F96}" type="datetimeFigureOut">
               <a:rPr lang="en-US" smtClean="0"/>
-              <a:t>6/30/2023</a:t>
+              <a:t>7/9/2023</a:t>
             </a:fld>
             <a:endParaRPr lang="en-US"/>
           </a:p>
@@ -4291,7 +4291,7 @@
           <a:p>
             <a:fld id="{8247719E-A071-48C4-9162-8C0ACCCA0F96}" type="datetimeFigureOut">
               <a:rPr lang="en-US" smtClean="0"/>
-              <a:t>6/30/2023</a:t>
+              <a:t>7/9/2023</a:t>
             </a:fld>
             <a:endParaRPr lang="en-US"/>
           </a:p>
@@ -4417,7 +4417,7 @@
           <a:p>
             <a:fld id="{8247719E-A071-48C4-9162-8C0ACCCA0F96}" type="datetimeFigureOut">
               <a:rPr lang="en-US" smtClean="0"/>
-              <a:t>6/30/2023</a:t>
+              <a:t>7/9/2023</a:t>
             </a:fld>
             <a:endParaRPr lang="en-US"/>
           </a:p>
@@ -4672,7 +4672,7 @@
           <a:p>
             <a:fld id="{8247719E-A071-48C4-9162-8C0ACCCA0F96}" type="datetimeFigureOut">
               <a:rPr lang="en-US" smtClean="0"/>
-              <a:t>6/30/2023</a:t>
+              <a:t>7/9/2023</a:t>
             </a:fld>
             <a:endParaRPr lang="en-US"/>
           </a:p>
@@ -4987,7 +4987,7 @@
           <a:p>
             <a:fld id="{8247719E-A071-48C4-9162-8C0ACCCA0F96}" type="datetimeFigureOut">
               <a:rPr lang="en-US" smtClean="0"/>
-              <a:t>6/30/2023</a:t>
+              <a:t>7/9/2023</a:t>
             </a:fld>
             <a:endParaRPr lang="en-US"/>
           </a:p>
@@ -5338,7 +5338,7 @@
           <a:p>
             <a:fld id="{8247719E-A071-48C4-9162-8C0ACCCA0F96}" type="datetimeFigureOut">
               <a:rPr lang="en-US" smtClean="0"/>
-              <a:t>6/30/2023</a:t>
+              <a:t>7/9/2023</a:t>
             </a:fld>
             <a:endParaRPr lang="en-US"/>
           </a:p>
@@ -5893,7 +5893,7 @@
         </p:nvSpPr>
         <p:spPr>
           <a:xfrm>
-            <a:off x="0" y="1777333"/>
+            <a:off x="0" y="1845067"/>
             <a:ext cx="12192000" cy="3303334"/>
           </a:xfrm>
         </p:spPr>
@@ -5936,23 +5936,11 @@
                 <a:latin typeface="Arial Black" panose="020B0A04020102020204" pitchFamily="34" charset="0"/>
               </a:rPr>
             </a:br>
-            <a:r>
-              <a:rPr lang="en-US" sz="4000" b="1" dirty="0">
-                <a:latin typeface="Arial Black" panose="020B0A04020102020204" pitchFamily="34" charset="0"/>
-              </a:rPr>
-              <a:t/>
-            </a:r>
             <a:br>
               <a:rPr lang="en-US" sz="4000" b="1" dirty="0">
                 <a:latin typeface="Arial Black" panose="020B0A04020102020204" pitchFamily="34" charset="0"/>
               </a:rPr>
             </a:br>
-            <a:r>
-              <a:rPr lang="en-US" sz="4000" b="1" dirty="0">
-                <a:latin typeface="Arial Black" panose="020B0A04020102020204" pitchFamily="34" charset="0"/>
-              </a:rPr>
-              <a:t/>
-            </a:r>
             <a:br>
               <a:rPr lang="en-US" sz="4000" b="1" dirty="0">
                 <a:latin typeface="Arial Black" panose="020B0A04020102020204" pitchFamily="34" charset="0"/>
@@ -6404,19 +6392,14 @@
         <p:spPr/>
         <p:txBody>
           <a:bodyPr>
-            <a:normAutofit/>
+            <a:normAutofit lnSpcReduction="10000"/>
           </a:bodyPr>
           <a:lstStyle/>
           <a:p>
             <a:r>
               <a:rPr lang="en-US" dirty="0"/>
-              <a:t>System should be able to do the </a:t>
-            </a:r>
-            <a:r>
-              <a:rPr lang="en-US" dirty="0" smtClean="0"/>
-              <a:t>following</a:t>
-            </a:r>
-            <a:endParaRPr lang="en-US" dirty="0"/>
+              <a:t>System should be able to do the following</a:t>
+            </a:r>
           </a:p>
           <a:p>
             <a:pPr marL="342900" indent="-342900">
@@ -6424,36 +6407,27 @@
               <a:buChar char="Ø"/>
             </a:pPr>
             <a:r>
-              <a:rPr lang="en-US" dirty="0" smtClean="0"/>
-              <a:t>Case </a:t>
-            </a:r>
-            <a:r>
-              <a:rPr lang="en-US" dirty="0" smtClean="0"/>
-              <a:t>management</a:t>
-            </a:r>
-          </a:p>
-          <a:p>
-            <a:pPr marL="800100" lvl="1" indent="-342900">
-              <a:buFont typeface="Wingdings" panose="05000000000000000000" pitchFamily="2" charset="2"/>
-              <a:buChar char="Ø"/>
+              <a:rPr lang="en-US" dirty="0"/>
+              <a:t>Case management</a:t>
+            </a:r>
+          </a:p>
+          <a:p>
+            <a:pPr marL="0" indent="0">
+              <a:buNone/>
             </a:pPr>
             <a:r>
-              <a:rPr lang="en-US" smtClean="0"/>
-              <a:t>Case registration, </a:t>
-            </a:r>
-            <a:r>
               <a:rPr lang="en-US" dirty="0"/>
-              <a:t>storage, and retrieval </a:t>
-            </a:r>
-            <a:r>
-              <a:rPr lang="en-US" dirty="0" smtClean="0"/>
-              <a:t>of case </a:t>
-            </a:r>
+              <a:t>    . Registration</a:t>
+            </a:r>
+          </a:p>
+          <a:p>
+            <a:pPr marL="0" indent="0">
+              <a:buNone/>
+            </a:pPr>
             <a:r>
               <a:rPr lang="en-US" dirty="0"/>
-              <a:t>records</a:t>
-            </a:r>
-            <a:endParaRPr lang="en-US" dirty="0"/>
+              <a:t>    . Storage    . Retrieval </a:t>
+            </a:r>
           </a:p>
           <a:p>
             <a:pPr marL="342900" indent="-342900">
@@ -6462,13 +6436,26 @@
             </a:pPr>
             <a:r>
               <a:rPr lang="en-US" dirty="0"/>
-              <a:t>Generate </a:t>
-            </a:r>
-            <a:r>
-              <a:rPr lang="en-US" dirty="0" smtClean="0"/>
-              <a:t>reports</a:t>
-            </a:r>
-            <a:endParaRPr lang="en-US" dirty="0"/>
+              <a:t> Cases analysis</a:t>
+            </a:r>
+          </a:p>
+          <a:p>
+            <a:pPr marL="0" indent="0">
+              <a:buNone/>
+            </a:pPr>
+            <a:r>
+              <a:rPr lang="en-US" dirty="0"/>
+              <a:t>     . Filtering and Customization</a:t>
+            </a:r>
+          </a:p>
+          <a:p>
+            <a:pPr marL="0" indent="0">
+              <a:buNone/>
+            </a:pPr>
+            <a:r>
+              <a:rPr lang="en-US" dirty="0"/>
+              <a:t>     . Reports Generation</a:t>
+            </a:r>
           </a:p>
         </p:txBody>
       </p:sp>
@@ -7199,10 +7186,9 @@
               <a:buChar char="Ø"/>
             </a:pPr>
             <a:r>
-              <a:rPr lang="en-US" dirty="0" smtClean="0"/>
+              <a:rPr lang="en-US" dirty="0"/>
               <a:t>MySQL Database</a:t>
             </a:r>
-            <a:endParaRPr lang="en-US" dirty="0"/>
           </a:p>
           <a:p>
             <a:pPr>
